--- a/ppt 16-9/1591.活出基督.pptx
+++ b/ppt 16-9/1591.活出基督.pptx
@@ -5,7 +5,7 @@
     <p:sldMasterId id="2147483648" r:id="rId1"/>
   </p:sldMasterIdLst>
   <p:sldIdLst>
-    <p:sldId id="3449" r:id="rId2"/>
+    <p:sldId id="3450" r:id="rId2"/>
   </p:sldIdLst>
   <p:sldSz cx="12192000" cy="6858000"/>
   <p:notesSz cx="6858000" cy="9144000"/>
@@ -129,7 +129,7 @@
           <p:cNvPr id="2" name="标题 1">
             <a:extLst>
               <a:ext uri="{FF2B5EF4-FFF2-40B4-BE49-F238E27FC236}">
-                <a16:creationId xmlns:a16="http://schemas.microsoft.com/office/drawing/2014/main" id="{98572B06-BE36-310A-CDF3-1F59F3409DCA}"/>
+                <a16:creationId xmlns:a16="http://schemas.microsoft.com/office/drawing/2014/main" id="{30486D89-29DB-3E9E-0C24-739AA60C3E8C}"/>
               </a:ext>
             </a:extLst>
           </p:cNvPr>
@@ -166,7 +166,7 @@
           <p:cNvPr id="3" name="副标题 2">
             <a:extLst>
               <a:ext uri="{FF2B5EF4-FFF2-40B4-BE49-F238E27FC236}">
-                <a16:creationId xmlns:a16="http://schemas.microsoft.com/office/drawing/2014/main" id="{6906722C-91F0-2E7E-F732-DA018B4E91FA}"/>
+                <a16:creationId xmlns:a16="http://schemas.microsoft.com/office/drawing/2014/main" id="{5E75CA0C-3117-70B3-B856-1863B0D97565}"/>
               </a:ext>
             </a:extLst>
           </p:cNvPr>
@@ -236,7 +236,7 @@
           <p:cNvPr id="4" name="日期占位符 3">
             <a:extLst>
               <a:ext uri="{FF2B5EF4-FFF2-40B4-BE49-F238E27FC236}">
-                <a16:creationId xmlns:a16="http://schemas.microsoft.com/office/drawing/2014/main" id="{5869208F-81D9-3807-8F59-0C8A75C32D76}"/>
+                <a16:creationId xmlns:a16="http://schemas.microsoft.com/office/drawing/2014/main" id="{668618F5-7651-3912-6979-2FF71250363D}"/>
               </a:ext>
             </a:extLst>
           </p:cNvPr>
@@ -252,7 +252,7 @@
           <a:bodyPr/>
           <a:lstStyle/>
           <a:p>
-            <a:fld id="{CC3D7D48-5136-426D-815D-1372842F5E39}" type="datetimeFigureOut">
+            <a:fld id="{ADAA2AC0-FBFA-4EA3-B0C4-FEB70573C796}" type="datetimeFigureOut">
               <a:rPr lang="zh-CN" altLang="en-US" smtClean="0"/>
               <a:t>2024/3/10</a:t>
             </a:fld>
@@ -265,7 +265,7 @@
           <p:cNvPr id="5" name="页脚占位符 4">
             <a:extLst>
               <a:ext uri="{FF2B5EF4-FFF2-40B4-BE49-F238E27FC236}">
-                <a16:creationId xmlns:a16="http://schemas.microsoft.com/office/drawing/2014/main" id="{0F88E172-A2CB-D8C7-A798-8FF16AFFF36B}"/>
+                <a16:creationId xmlns:a16="http://schemas.microsoft.com/office/drawing/2014/main" id="{2F4F411D-8907-979F-83CE-50B4F5C13751}"/>
               </a:ext>
             </a:extLst>
           </p:cNvPr>
@@ -290,7 +290,7 @@
           <p:cNvPr id="6" name="灯片编号占位符 5">
             <a:extLst>
               <a:ext uri="{FF2B5EF4-FFF2-40B4-BE49-F238E27FC236}">
-                <a16:creationId xmlns:a16="http://schemas.microsoft.com/office/drawing/2014/main" id="{9CEB7883-069D-D0C4-E694-B95DDD3FB708}"/>
+                <a16:creationId xmlns:a16="http://schemas.microsoft.com/office/drawing/2014/main" id="{7268982E-2200-79F2-48F3-2C41979F9E45}"/>
               </a:ext>
             </a:extLst>
           </p:cNvPr>
@@ -306,7 +306,7 @@
           <a:bodyPr/>
           <a:lstStyle/>
           <a:p>
-            <a:fld id="{95B69FDC-3861-467D-8569-2A74A4E884AA}" type="slidenum">
+            <a:fld id="{E10D44A7-561A-4C39-A30A-5788B27136F6}" type="slidenum">
               <a:rPr lang="zh-CN" altLang="en-US" smtClean="0"/>
               <a:t>‹#›</a:t>
             </a:fld>
@@ -317,7 +317,7 @@
     </p:spTree>
     <p:extLst>
       <p:ext uri="{BB962C8B-B14F-4D97-AF65-F5344CB8AC3E}">
-        <p14:creationId xmlns:p14="http://schemas.microsoft.com/office/powerpoint/2010/main" val="461467680"/>
+        <p14:creationId xmlns:p14="http://schemas.microsoft.com/office/powerpoint/2010/main" val="862647665"/>
       </p:ext>
     </p:extLst>
   </p:cSld>
@@ -349,7 +349,7 @@
           <p:cNvPr id="2" name="标题 1">
             <a:extLst>
               <a:ext uri="{FF2B5EF4-FFF2-40B4-BE49-F238E27FC236}">
-                <a16:creationId xmlns:a16="http://schemas.microsoft.com/office/drawing/2014/main" id="{7CB7C491-A2F2-ECCB-055F-1040E9A4D032}"/>
+                <a16:creationId xmlns:a16="http://schemas.microsoft.com/office/drawing/2014/main" id="{01E1BAA9-9629-C3B0-5B34-4F77B4D74B55}"/>
               </a:ext>
             </a:extLst>
           </p:cNvPr>
@@ -377,7 +377,7 @@
           <p:cNvPr id="3" name="竖排文字占位符 2">
             <a:extLst>
               <a:ext uri="{FF2B5EF4-FFF2-40B4-BE49-F238E27FC236}">
-                <a16:creationId xmlns:a16="http://schemas.microsoft.com/office/drawing/2014/main" id="{997D073A-7BC8-8124-7657-D29BA49B14A4}"/>
+                <a16:creationId xmlns:a16="http://schemas.microsoft.com/office/drawing/2014/main" id="{64B9CC13-D6A0-A05A-897E-244B752A7507}"/>
               </a:ext>
             </a:extLst>
           </p:cNvPr>
@@ -434,7 +434,7 @@
           <p:cNvPr id="4" name="日期占位符 3">
             <a:extLst>
               <a:ext uri="{FF2B5EF4-FFF2-40B4-BE49-F238E27FC236}">
-                <a16:creationId xmlns:a16="http://schemas.microsoft.com/office/drawing/2014/main" id="{84DF6088-D6F2-6EFF-BD3E-B3B9A26CADD8}"/>
+                <a16:creationId xmlns:a16="http://schemas.microsoft.com/office/drawing/2014/main" id="{0BCAFDA4-27E9-7233-56A2-91A56A06F173}"/>
               </a:ext>
             </a:extLst>
           </p:cNvPr>
@@ -450,7 +450,7 @@
           <a:bodyPr/>
           <a:lstStyle/>
           <a:p>
-            <a:fld id="{CC3D7D48-5136-426D-815D-1372842F5E39}" type="datetimeFigureOut">
+            <a:fld id="{ADAA2AC0-FBFA-4EA3-B0C4-FEB70573C796}" type="datetimeFigureOut">
               <a:rPr lang="zh-CN" altLang="en-US" smtClean="0"/>
               <a:t>2024/3/10</a:t>
             </a:fld>
@@ -463,7 +463,7 @@
           <p:cNvPr id="5" name="页脚占位符 4">
             <a:extLst>
               <a:ext uri="{FF2B5EF4-FFF2-40B4-BE49-F238E27FC236}">
-                <a16:creationId xmlns:a16="http://schemas.microsoft.com/office/drawing/2014/main" id="{ACCE0D5B-BBE0-D8BC-542F-8F5AC1BE56EF}"/>
+                <a16:creationId xmlns:a16="http://schemas.microsoft.com/office/drawing/2014/main" id="{D1C64BBB-ED99-E29B-B145-F6937D8AF510}"/>
               </a:ext>
             </a:extLst>
           </p:cNvPr>
@@ -488,7 +488,7 @@
           <p:cNvPr id="6" name="灯片编号占位符 5">
             <a:extLst>
               <a:ext uri="{FF2B5EF4-FFF2-40B4-BE49-F238E27FC236}">
-                <a16:creationId xmlns:a16="http://schemas.microsoft.com/office/drawing/2014/main" id="{1C0BC6DF-10D1-177D-DEB3-6951A42E3758}"/>
+                <a16:creationId xmlns:a16="http://schemas.microsoft.com/office/drawing/2014/main" id="{B026B48D-A9CE-D232-CD99-5E9C5E6F2FDD}"/>
               </a:ext>
             </a:extLst>
           </p:cNvPr>
@@ -504,7 +504,7 @@
           <a:bodyPr/>
           <a:lstStyle/>
           <a:p>
-            <a:fld id="{95B69FDC-3861-467D-8569-2A74A4E884AA}" type="slidenum">
+            <a:fld id="{E10D44A7-561A-4C39-A30A-5788B27136F6}" type="slidenum">
               <a:rPr lang="zh-CN" altLang="en-US" smtClean="0"/>
               <a:t>‹#›</a:t>
             </a:fld>
@@ -515,7 +515,7 @@
     </p:spTree>
     <p:extLst>
       <p:ext uri="{BB962C8B-B14F-4D97-AF65-F5344CB8AC3E}">
-        <p14:creationId xmlns:p14="http://schemas.microsoft.com/office/powerpoint/2010/main" val="2354491723"/>
+        <p14:creationId xmlns:p14="http://schemas.microsoft.com/office/powerpoint/2010/main" val="1270197422"/>
       </p:ext>
     </p:extLst>
   </p:cSld>
@@ -547,7 +547,7 @@
           <p:cNvPr id="2" name="竖排标题 1">
             <a:extLst>
               <a:ext uri="{FF2B5EF4-FFF2-40B4-BE49-F238E27FC236}">
-                <a16:creationId xmlns:a16="http://schemas.microsoft.com/office/drawing/2014/main" id="{7A9151BE-0C2C-E789-91F9-DCE3B6CFC35F}"/>
+                <a16:creationId xmlns:a16="http://schemas.microsoft.com/office/drawing/2014/main" id="{74CF4B88-BDEC-0502-CF79-C9275C716B2A}"/>
               </a:ext>
             </a:extLst>
           </p:cNvPr>
@@ -580,7 +580,7 @@
           <p:cNvPr id="3" name="竖排文字占位符 2">
             <a:extLst>
               <a:ext uri="{FF2B5EF4-FFF2-40B4-BE49-F238E27FC236}">
-                <a16:creationId xmlns:a16="http://schemas.microsoft.com/office/drawing/2014/main" id="{56332711-7788-8023-D0BF-1980B07DA446}"/>
+                <a16:creationId xmlns:a16="http://schemas.microsoft.com/office/drawing/2014/main" id="{ACBFC075-70DB-CF8F-B81B-66694F69C109}"/>
               </a:ext>
             </a:extLst>
           </p:cNvPr>
@@ -642,7 +642,7 @@
           <p:cNvPr id="4" name="日期占位符 3">
             <a:extLst>
               <a:ext uri="{FF2B5EF4-FFF2-40B4-BE49-F238E27FC236}">
-                <a16:creationId xmlns:a16="http://schemas.microsoft.com/office/drawing/2014/main" id="{72192A95-280C-FD73-A3B4-EE996C83E282}"/>
+                <a16:creationId xmlns:a16="http://schemas.microsoft.com/office/drawing/2014/main" id="{52AFAA0D-A3DB-1E9D-0A63-1DBCF32AE186}"/>
               </a:ext>
             </a:extLst>
           </p:cNvPr>
@@ -658,7 +658,7 @@
           <a:bodyPr/>
           <a:lstStyle/>
           <a:p>
-            <a:fld id="{CC3D7D48-5136-426D-815D-1372842F5E39}" type="datetimeFigureOut">
+            <a:fld id="{ADAA2AC0-FBFA-4EA3-B0C4-FEB70573C796}" type="datetimeFigureOut">
               <a:rPr lang="zh-CN" altLang="en-US" smtClean="0"/>
               <a:t>2024/3/10</a:t>
             </a:fld>
@@ -671,7 +671,7 @@
           <p:cNvPr id="5" name="页脚占位符 4">
             <a:extLst>
               <a:ext uri="{FF2B5EF4-FFF2-40B4-BE49-F238E27FC236}">
-                <a16:creationId xmlns:a16="http://schemas.microsoft.com/office/drawing/2014/main" id="{71141992-CBFA-EF12-7AE0-C9E31E794376}"/>
+                <a16:creationId xmlns:a16="http://schemas.microsoft.com/office/drawing/2014/main" id="{E8F45788-7470-7FDB-F24E-79F11681199F}"/>
               </a:ext>
             </a:extLst>
           </p:cNvPr>
@@ -696,7 +696,7 @@
           <p:cNvPr id="6" name="灯片编号占位符 5">
             <a:extLst>
               <a:ext uri="{FF2B5EF4-FFF2-40B4-BE49-F238E27FC236}">
-                <a16:creationId xmlns:a16="http://schemas.microsoft.com/office/drawing/2014/main" id="{57A75218-D5AA-D9F2-337F-584C85C94290}"/>
+                <a16:creationId xmlns:a16="http://schemas.microsoft.com/office/drawing/2014/main" id="{43FC8EB6-4107-07A2-585A-719443A76898}"/>
               </a:ext>
             </a:extLst>
           </p:cNvPr>
@@ -712,7 +712,7 @@
           <a:bodyPr/>
           <a:lstStyle/>
           <a:p>
-            <a:fld id="{95B69FDC-3861-467D-8569-2A74A4E884AA}" type="slidenum">
+            <a:fld id="{E10D44A7-561A-4C39-A30A-5788B27136F6}" type="slidenum">
               <a:rPr lang="zh-CN" altLang="en-US" smtClean="0"/>
               <a:t>‹#›</a:t>
             </a:fld>
@@ -723,7 +723,7 @@
     </p:spTree>
     <p:extLst>
       <p:ext uri="{BB962C8B-B14F-4D97-AF65-F5344CB8AC3E}">
-        <p14:creationId xmlns:p14="http://schemas.microsoft.com/office/powerpoint/2010/main" val="4203298726"/>
+        <p14:creationId xmlns:p14="http://schemas.microsoft.com/office/powerpoint/2010/main" val="2327142706"/>
       </p:ext>
     </p:extLst>
   </p:cSld>
@@ -755,7 +755,7 @@
           <p:cNvPr id="2" name="标题 1">
             <a:extLst>
               <a:ext uri="{FF2B5EF4-FFF2-40B4-BE49-F238E27FC236}">
-                <a16:creationId xmlns:a16="http://schemas.microsoft.com/office/drawing/2014/main" id="{A74615F9-D79B-6845-058E-80639ECF05A7}"/>
+                <a16:creationId xmlns:a16="http://schemas.microsoft.com/office/drawing/2014/main" id="{1A5E43CA-C1EE-051B-357A-F85E8EAF6A83}"/>
               </a:ext>
             </a:extLst>
           </p:cNvPr>
@@ -783,7 +783,7 @@
           <p:cNvPr id="3" name="内容占位符 2">
             <a:extLst>
               <a:ext uri="{FF2B5EF4-FFF2-40B4-BE49-F238E27FC236}">
-                <a16:creationId xmlns:a16="http://schemas.microsoft.com/office/drawing/2014/main" id="{C84FA40C-EC69-D83E-27F3-81783F82EEC2}"/>
+                <a16:creationId xmlns:a16="http://schemas.microsoft.com/office/drawing/2014/main" id="{37E86B61-5A00-AFB4-4C28-BD0844C45181}"/>
               </a:ext>
             </a:extLst>
           </p:cNvPr>
@@ -840,7 +840,7 @@
           <p:cNvPr id="4" name="日期占位符 3">
             <a:extLst>
               <a:ext uri="{FF2B5EF4-FFF2-40B4-BE49-F238E27FC236}">
-                <a16:creationId xmlns:a16="http://schemas.microsoft.com/office/drawing/2014/main" id="{86F4BF45-AD75-604C-8A42-C697873F2DCE}"/>
+                <a16:creationId xmlns:a16="http://schemas.microsoft.com/office/drawing/2014/main" id="{E0953646-B61D-990E-2C1F-294E0B48A960}"/>
               </a:ext>
             </a:extLst>
           </p:cNvPr>
@@ -856,7 +856,7 @@
           <a:bodyPr/>
           <a:lstStyle/>
           <a:p>
-            <a:fld id="{CC3D7D48-5136-426D-815D-1372842F5E39}" type="datetimeFigureOut">
+            <a:fld id="{ADAA2AC0-FBFA-4EA3-B0C4-FEB70573C796}" type="datetimeFigureOut">
               <a:rPr lang="zh-CN" altLang="en-US" smtClean="0"/>
               <a:t>2024/3/10</a:t>
             </a:fld>
@@ -869,7 +869,7 @@
           <p:cNvPr id="5" name="页脚占位符 4">
             <a:extLst>
               <a:ext uri="{FF2B5EF4-FFF2-40B4-BE49-F238E27FC236}">
-                <a16:creationId xmlns:a16="http://schemas.microsoft.com/office/drawing/2014/main" id="{CCBEC65F-F3A3-3856-5BA4-E1114351ED5F}"/>
+                <a16:creationId xmlns:a16="http://schemas.microsoft.com/office/drawing/2014/main" id="{942A0C5E-3928-6C75-7A3F-421E78005DD4}"/>
               </a:ext>
             </a:extLst>
           </p:cNvPr>
@@ -894,7 +894,7 @@
           <p:cNvPr id="6" name="灯片编号占位符 5">
             <a:extLst>
               <a:ext uri="{FF2B5EF4-FFF2-40B4-BE49-F238E27FC236}">
-                <a16:creationId xmlns:a16="http://schemas.microsoft.com/office/drawing/2014/main" id="{4D58831F-D43A-022E-7244-E854072B6695}"/>
+                <a16:creationId xmlns:a16="http://schemas.microsoft.com/office/drawing/2014/main" id="{F2FC2A35-A62B-34DF-F6D6-35177FA1C36A}"/>
               </a:ext>
             </a:extLst>
           </p:cNvPr>
@@ -910,7 +910,7 @@
           <a:bodyPr/>
           <a:lstStyle/>
           <a:p>
-            <a:fld id="{95B69FDC-3861-467D-8569-2A74A4E884AA}" type="slidenum">
+            <a:fld id="{E10D44A7-561A-4C39-A30A-5788B27136F6}" type="slidenum">
               <a:rPr lang="zh-CN" altLang="en-US" smtClean="0"/>
               <a:t>‹#›</a:t>
             </a:fld>
@@ -921,7 +921,7 @@
     </p:spTree>
     <p:extLst>
       <p:ext uri="{BB962C8B-B14F-4D97-AF65-F5344CB8AC3E}">
-        <p14:creationId xmlns:p14="http://schemas.microsoft.com/office/powerpoint/2010/main" val="1526373476"/>
+        <p14:creationId xmlns:p14="http://schemas.microsoft.com/office/powerpoint/2010/main" val="3169748723"/>
       </p:ext>
     </p:extLst>
   </p:cSld>
@@ -953,7 +953,7 @@
           <p:cNvPr id="2" name="标题 1">
             <a:extLst>
               <a:ext uri="{FF2B5EF4-FFF2-40B4-BE49-F238E27FC236}">
-                <a16:creationId xmlns:a16="http://schemas.microsoft.com/office/drawing/2014/main" id="{A8A8A70E-AC74-C908-4868-24B91BA219FC}"/>
+                <a16:creationId xmlns:a16="http://schemas.microsoft.com/office/drawing/2014/main" id="{C7F91EA0-F975-A471-6217-0866C8F67CF3}"/>
               </a:ext>
             </a:extLst>
           </p:cNvPr>
@@ -990,7 +990,7 @@
           <p:cNvPr id="3" name="文本占位符 2">
             <a:extLst>
               <a:ext uri="{FF2B5EF4-FFF2-40B4-BE49-F238E27FC236}">
-                <a16:creationId xmlns:a16="http://schemas.microsoft.com/office/drawing/2014/main" id="{6E1C6776-C8CE-288B-F7BD-97A441686CE0}"/>
+                <a16:creationId xmlns:a16="http://schemas.microsoft.com/office/drawing/2014/main" id="{38E4E89D-ADD8-4950-CA5D-2500CA496A42}"/>
               </a:ext>
             </a:extLst>
           </p:cNvPr>
@@ -1115,7 +1115,7 @@
           <p:cNvPr id="4" name="日期占位符 3">
             <a:extLst>
               <a:ext uri="{FF2B5EF4-FFF2-40B4-BE49-F238E27FC236}">
-                <a16:creationId xmlns:a16="http://schemas.microsoft.com/office/drawing/2014/main" id="{CF5BA6A4-F6D3-CF87-FDFA-1EBC83F2DD2A}"/>
+                <a16:creationId xmlns:a16="http://schemas.microsoft.com/office/drawing/2014/main" id="{668E96CC-E108-8EC9-9857-B4DA263C90A9}"/>
               </a:ext>
             </a:extLst>
           </p:cNvPr>
@@ -1131,7 +1131,7 @@
           <a:bodyPr/>
           <a:lstStyle/>
           <a:p>
-            <a:fld id="{CC3D7D48-5136-426D-815D-1372842F5E39}" type="datetimeFigureOut">
+            <a:fld id="{ADAA2AC0-FBFA-4EA3-B0C4-FEB70573C796}" type="datetimeFigureOut">
               <a:rPr lang="zh-CN" altLang="en-US" smtClean="0"/>
               <a:t>2024/3/10</a:t>
             </a:fld>
@@ -1144,7 +1144,7 @@
           <p:cNvPr id="5" name="页脚占位符 4">
             <a:extLst>
               <a:ext uri="{FF2B5EF4-FFF2-40B4-BE49-F238E27FC236}">
-                <a16:creationId xmlns:a16="http://schemas.microsoft.com/office/drawing/2014/main" id="{C4E4B91C-CE3F-12C8-114B-71F115B41625}"/>
+                <a16:creationId xmlns:a16="http://schemas.microsoft.com/office/drawing/2014/main" id="{B0A7C2C6-70B5-8DB8-3C34-D57B15B7A543}"/>
               </a:ext>
             </a:extLst>
           </p:cNvPr>
@@ -1169,7 +1169,7 @@
           <p:cNvPr id="6" name="灯片编号占位符 5">
             <a:extLst>
               <a:ext uri="{FF2B5EF4-FFF2-40B4-BE49-F238E27FC236}">
-                <a16:creationId xmlns:a16="http://schemas.microsoft.com/office/drawing/2014/main" id="{E76677D1-1AAE-2D88-E7F8-0FC58AC53EF0}"/>
+                <a16:creationId xmlns:a16="http://schemas.microsoft.com/office/drawing/2014/main" id="{E402CB72-C996-E47A-8387-6EB5D2510E27}"/>
               </a:ext>
             </a:extLst>
           </p:cNvPr>
@@ -1185,7 +1185,7 @@
           <a:bodyPr/>
           <a:lstStyle/>
           <a:p>
-            <a:fld id="{95B69FDC-3861-467D-8569-2A74A4E884AA}" type="slidenum">
+            <a:fld id="{E10D44A7-561A-4C39-A30A-5788B27136F6}" type="slidenum">
               <a:rPr lang="zh-CN" altLang="en-US" smtClean="0"/>
               <a:t>‹#›</a:t>
             </a:fld>
@@ -1196,7 +1196,7 @@
     </p:spTree>
     <p:extLst>
       <p:ext uri="{BB962C8B-B14F-4D97-AF65-F5344CB8AC3E}">
-        <p14:creationId xmlns:p14="http://schemas.microsoft.com/office/powerpoint/2010/main" val="586198344"/>
+        <p14:creationId xmlns:p14="http://schemas.microsoft.com/office/powerpoint/2010/main" val="1204367542"/>
       </p:ext>
     </p:extLst>
   </p:cSld>
@@ -1228,7 +1228,7 @@
           <p:cNvPr id="2" name="标题 1">
             <a:extLst>
               <a:ext uri="{FF2B5EF4-FFF2-40B4-BE49-F238E27FC236}">
-                <a16:creationId xmlns:a16="http://schemas.microsoft.com/office/drawing/2014/main" id="{5C0728BD-8BC6-ACB7-CD38-FCB14E8B89B8}"/>
+                <a16:creationId xmlns:a16="http://schemas.microsoft.com/office/drawing/2014/main" id="{5A3A2B00-68C6-F261-52C8-D220669EF103}"/>
               </a:ext>
             </a:extLst>
           </p:cNvPr>
@@ -1256,7 +1256,7 @@
           <p:cNvPr id="3" name="内容占位符 2">
             <a:extLst>
               <a:ext uri="{FF2B5EF4-FFF2-40B4-BE49-F238E27FC236}">
-                <a16:creationId xmlns:a16="http://schemas.microsoft.com/office/drawing/2014/main" id="{08C41B65-1D7E-0460-6424-A5162E47E774}"/>
+                <a16:creationId xmlns:a16="http://schemas.microsoft.com/office/drawing/2014/main" id="{D96148AF-061C-7C0E-8B7F-C85C35B90D18}"/>
               </a:ext>
             </a:extLst>
           </p:cNvPr>
@@ -1318,7 +1318,7 @@
           <p:cNvPr id="4" name="内容占位符 3">
             <a:extLst>
               <a:ext uri="{FF2B5EF4-FFF2-40B4-BE49-F238E27FC236}">
-                <a16:creationId xmlns:a16="http://schemas.microsoft.com/office/drawing/2014/main" id="{1EDD5290-112E-F655-D368-F1A8A49619F0}"/>
+                <a16:creationId xmlns:a16="http://schemas.microsoft.com/office/drawing/2014/main" id="{3E218190-DFF2-52A9-274E-FCB4A2F34C1C}"/>
               </a:ext>
             </a:extLst>
           </p:cNvPr>
@@ -1380,7 +1380,7 @@
           <p:cNvPr id="5" name="日期占位符 4">
             <a:extLst>
               <a:ext uri="{FF2B5EF4-FFF2-40B4-BE49-F238E27FC236}">
-                <a16:creationId xmlns:a16="http://schemas.microsoft.com/office/drawing/2014/main" id="{068E16DA-E715-A524-586F-01CB7338E7A1}"/>
+                <a16:creationId xmlns:a16="http://schemas.microsoft.com/office/drawing/2014/main" id="{D01F6991-3D78-90C6-D139-F664D9BADF94}"/>
               </a:ext>
             </a:extLst>
           </p:cNvPr>
@@ -1396,7 +1396,7 @@
           <a:bodyPr/>
           <a:lstStyle/>
           <a:p>
-            <a:fld id="{CC3D7D48-5136-426D-815D-1372842F5E39}" type="datetimeFigureOut">
+            <a:fld id="{ADAA2AC0-FBFA-4EA3-B0C4-FEB70573C796}" type="datetimeFigureOut">
               <a:rPr lang="zh-CN" altLang="en-US" smtClean="0"/>
               <a:t>2024/3/10</a:t>
             </a:fld>
@@ -1409,7 +1409,7 @@
           <p:cNvPr id="6" name="页脚占位符 5">
             <a:extLst>
               <a:ext uri="{FF2B5EF4-FFF2-40B4-BE49-F238E27FC236}">
-                <a16:creationId xmlns:a16="http://schemas.microsoft.com/office/drawing/2014/main" id="{39CF2CCC-AD37-C47C-048B-0013D45FCD77}"/>
+                <a16:creationId xmlns:a16="http://schemas.microsoft.com/office/drawing/2014/main" id="{C080DAC9-7D0F-4670-26DB-8EE2F7A2050D}"/>
               </a:ext>
             </a:extLst>
           </p:cNvPr>
@@ -1434,7 +1434,7 @@
           <p:cNvPr id="7" name="灯片编号占位符 6">
             <a:extLst>
               <a:ext uri="{FF2B5EF4-FFF2-40B4-BE49-F238E27FC236}">
-                <a16:creationId xmlns:a16="http://schemas.microsoft.com/office/drawing/2014/main" id="{823A3895-DE9C-3758-19A4-72E9EF6D2709}"/>
+                <a16:creationId xmlns:a16="http://schemas.microsoft.com/office/drawing/2014/main" id="{7737D9C7-3CAE-CEA6-6F91-7E873F225C1F}"/>
               </a:ext>
             </a:extLst>
           </p:cNvPr>
@@ -1450,7 +1450,7 @@
           <a:bodyPr/>
           <a:lstStyle/>
           <a:p>
-            <a:fld id="{95B69FDC-3861-467D-8569-2A74A4E884AA}" type="slidenum">
+            <a:fld id="{E10D44A7-561A-4C39-A30A-5788B27136F6}" type="slidenum">
               <a:rPr lang="zh-CN" altLang="en-US" smtClean="0"/>
               <a:t>‹#›</a:t>
             </a:fld>
@@ -1461,7 +1461,7 @@
     </p:spTree>
     <p:extLst>
       <p:ext uri="{BB962C8B-B14F-4D97-AF65-F5344CB8AC3E}">
-        <p14:creationId xmlns:p14="http://schemas.microsoft.com/office/powerpoint/2010/main" val="2247649134"/>
+        <p14:creationId xmlns:p14="http://schemas.microsoft.com/office/powerpoint/2010/main" val="2853324807"/>
       </p:ext>
     </p:extLst>
   </p:cSld>
@@ -1493,7 +1493,7 @@
           <p:cNvPr id="2" name="标题 1">
             <a:extLst>
               <a:ext uri="{FF2B5EF4-FFF2-40B4-BE49-F238E27FC236}">
-                <a16:creationId xmlns:a16="http://schemas.microsoft.com/office/drawing/2014/main" id="{D6161B57-FA8B-FCD1-F16A-6A20086F1640}"/>
+                <a16:creationId xmlns:a16="http://schemas.microsoft.com/office/drawing/2014/main" id="{E9DB8FD0-52AD-43FE-62C1-E88C2AFD4311}"/>
               </a:ext>
             </a:extLst>
           </p:cNvPr>
@@ -1526,7 +1526,7 @@
           <p:cNvPr id="3" name="文本占位符 2">
             <a:extLst>
               <a:ext uri="{FF2B5EF4-FFF2-40B4-BE49-F238E27FC236}">
-                <a16:creationId xmlns:a16="http://schemas.microsoft.com/office/drawing/2014/main" id="{47669A46-0F06-856B-78C2-08942453C16A}"/>
+                <a16:creationId xmlns:a16="http://schemas.microsoft.com/office/drawing/2014/main" id="{79869D95-D99E-EF86-2AFC-8AF991EA800D}"/>
               </a:ext>
             </a:extLst>
           </p:cNvPr>
@@ -1597,7 +1597,7 @@
           <p:cNvPr id="4" name="内容占位符 3">
             <a:extLst>
               <a:ext uri="{FF2B5EF4-FFF2-40B4-BE49-F238E27FC236}">
-                <a16:creationId xmlns:a16="http://schemas.microsoft.com/office/drawing/2014/main" id="{7F05C27C-1D45-4701-54A5-9D9788022CFD}"/>
+                <a16:creationId xmlns:a16="http://schemas.microsoft.com/office/drawing/2014/main" id="{2B77902C-CAF7-6EE0-735A-4B2F840E38C4}"/>
               </a:ext>
             </a:extLst>
           </p:cNvPr>
@@ -1659,7 +1659,7 @@
           <p:cNvPr id="5" name="文本占位符 4">
             <a:extLst>
               <a:ext uri="{FF2B5EF4-FFF2-40B4-BE49-F238E27FC236}">
-                <a16:creationId xmlns:a16="http://schemas.microsoft.com/office/drawing/2014/main" id="{7071A2B5-AC90-48BF-6541-8D877847D9C8}"/>
+                <a16:creationId xmlns:a16="http://schemas.microsoft.com/office/drawing/2014/main" id="{A69C0485-73B1-AC3A-D4FA-0BCCCAE04F45}"/>
               </a:ext>
             </a:extLst>
           </p:cNvPr>
@@ -1730,7 +1730,7 @@
           <p:cNvPr id="6" name="内容占位符 5">
             <a:extLst>
               <a:ext uri="{FF2B5EF4-FFF2-40B4-BE49-F238E27FC236}">
-                <a16:creationId xmlns:a16="http://schemas.microsoft.com/office/drawing/2014/main" id="{29B52F87-1941-1B85-ECC8-95E863CE5DE6}"/>
+                <a16:creationId xmlns:a16="http://schemas.microsoft.com/office/drawing/2014/main" id="{A1E86FFA-ED57-2706-B374-5512350705E7}"/>
               </a:ext>
             </a:extLst>
           </p:cNvPr>
@@ -1792,7 +1792,7 @@
           <p:cNvPr id="7" name="日期占位符 6">
             <a:extLst>
               <a:ext uri="{FF2B5EF4-FFF2-40B4-BE49-F238E27FC236}">
-                <a16:creationId xmlns:a16="http://schemas.microsoft.com/office/drawing/2014/main" id="{1C925A75-161A-A8BD-4D31-FA2515FA499E}"/>
+                <a16:creationId xmlns:a16="http://schemas.microsoft.com/office/drawing/2014/main" id="{B876D7A6-CCA8-244C-BC04-EE9B1BCB01EC}"/>
               </a:ext>
             </a:extLst>
           </p:cNvPr>
@@ -1808,7 +1808,7 @@
           <a:bodyPr/>
           <a:lstStyle/>
           <a:p>
-            <a:fld id="{CC3D7D48-5136-426D-815D-1372842F5E39}" type="datetimeFigureOut">
+            <a:fld id="{ADAA2AC0-FBFA-4EA3-B0C4-FEB70573C796}" type="datetimeFigureOut">
               <a:rPr lang="zh-CN" altLang="en-US" smtClean="0"/>
               <a:t>2024/3/10</a:t>
             </a:fld>
@@ -1821,7 +1821,7 @@
           <p:cNvPr id="8" name="页脚占位符 7">
             <a:extLst>
               <a:ext uri="{FF2B5EF4-FFF2-40B4-BE49-F238E27FC236}">
-                <a16:creationId xmlns:a16="http://schemas.microsoft.com/office/drawing/2014/main" id="{947BF98D-3600-A549-960C-0377B1F949E7}"/>
+                <a16:creationId xmlns:a16="http://schemas.microsoft.com/office/drawing/2014/main" id="{4C5166DF-B3AF-A1B7-9D8B-D72165D2EFB4}"/>
               </a:ext>
             </a:extLst>
           </p:cNvPr>
@@ -1846,7 +1846,7 @@
           <p:cNvPr id="9" name="灯片编号占位符 8">
             <a:extLst>
               <a:ext uri="{FF2B5EF4-FFF2-40B4-BE49-F238E27FC236}">
-                <a16:creationId xmlns:a16="http://schemas.microsoft.com/office/drawing/2014/main" id="{0E95DA95-BBA8-BD3E-0B02-A77F0295AC21}"/>
+                <a16:creationId xmlns:a16="http://schemas.microsoft.com/office/drawing/2014/main" id="{32E84F84-3765-3ECD-91AC-9CB0269CDD7C}"/>
               </a:ext>
             </a:extLst>
           </p:cNvPr>
@@ -1862,7 +1862,7 @@
           <a:bodyPr/>
           <a:lstStyle/>
           <a:p>
-            <a:fld id="{95B69FDC-3861-467D-8569-2A74A4E884AA}" type="slidenum">
+            <a:fld id="{E10D44A7-561A-4C39-A30A-5788B27136F6}" type="slidenum">
               <a:rPr lang="zh-CN" altLang="en-US" smtClean="0"/>
               <a:t>‹#›</a:t>
             </a:fld>
@@ -1873,7 +1873,7 @@
     </p:spTree>
     <p:extLst>
       <p:ext uri="{BB962C8B-B14F-4D97-AF65-F5344CB8AC3E}">
-        <p14:creationId xmlns:p14="http://schemas.microsoft.com/office/powerpoint/2010/main" val="1271765647"/>
+        <p14:creationId xmlns:p14="http://schemas.microsoft.com/office/powerpoint/2010/main" val="4286058236"/>
       </p:ext>
     </p:extLst>
   </p:cSld>
@@ -1905,7 +1905,7 @@
           <p:cNvPr id="2" name="标题 1">
             <a:extLst>
               <a:ext uri="{FF2B5EF4-FFF2-40B4-BE49-F238E27FC236}">
-                <a16:creationId xmlns:a16="http://schemas.microsoft.com/office/drawing/2014/main" id="{C03C57CB-8314-4F18-76FF-F60707CC0A26}"/>
+                <a16:creationId xmlns:a16="http://schemas.microsoft.com/office/drawing/2014/main" id="{86803C69-CC91-CDC0-818C-7A603EA7946F}"/>
               </a:ext>
             </a:extLst>
           </p:cNvPr>
@@ -1933,7 +1933,7 @@
           <p:cNvPr id="3" name="日期占位符 2">
             <a:extLst>
               <a:ext uri="{FF2B5EF4-FFF2-40B4-BE49-F238E27FC236}">
-                <a16:creationId xmlns:a16="http://schemas.microsoft.com/office/drawing/2014/main" id="{9D08BA44-807E-6BC2-CD07-567CC98DEA1A}"/>
+                <a16:creationId xmlns:a16="http://schemas.microsoft.com/office/drawing/2014/main" id="{EF7CEFE0-6768-679C-D3F0-06334B0A7DA9}"/>
               </a:ext>
             </a:extLst>
           </p:cNvPr>
@@ -1949,7 +1949,7 @@
           <a:bodyPr/>
           <a:lstStyle/>
           <a:p>
-            <a:fld id="{CC3D7D48-5136-426D-815D-1372842F5E39}" type="datetimeFigureOut">
+            <a:fld id="{ADAA2AC0-FBFA-4EA3-B0C4-FEB70573C796}" type="datetimeFigureOut">
               <a:rPr lang="zh-CN" altLang="en-US" smtClean="0"/>
               <a:t>2024/3/10</a:t>
             </a:fld>
@@ -1962,7 +1962,7 @@
           <p:cNvPr id="4" name="页脚占位符 3">
             <a:extLst>
               <a:ext uri="{FF2B5EF4-FFF2-40B4-BE49-F238E27FC236}">
-                <a16:creationId xmlns:a16="http://schemas.microsoft.com/office/drawing/2014/main" id="{3B118DF2-4B12-46B9-4B61-EF2ACDD376C6}"/>
+                <a16:creationId xmlns:a16="http://schemas.microsoft.com/office/drawing/2014/main" id="{C2039AE2-219E-7037-4027-482E6284179E}"/>
               </a:ext>
             </a:extLst>
           </p:cNvPr>
@@ -1987,7 +1987,7 @@
           <p:cNvPr id="5" name="灯片编号占位符 4">
             <a:extLst>
               <a:ext uri="{FF2B5EF4-FFF2-40B4-BE49-F238E27FC236}">
-                <a16:creationId xmlns:a16="http://schemas.microsoft.com/office/drawing/2014/main" id="{4DE76545-847D-FED4-F5C2-DF67DDD57853}"/>
+                <a16:creationId xmlns:a16="http://schemas.microsoft.com/office/drawing/2014/main" id="{FF040341-EA70-C5F2-6607-48912ABDBE30}"/>
               </a:ext>
             </a:extLst>
           </p:cNvPr>
@@ -2003,7 +2003,7 @@
           <a:bodyPr/>
           <a:lstStyle/>
           <a:p>
-            <a:fld id="{95B69FDC-3861-467D-8569-2A74A4E884AA}" type="slidenum">
+            <a:fld id="{E10D44A7-561A-4C39-A30A-5788B27136F6}" type="slidenum">
               <a:rPr lang="zh-CN" altLang="en-US" smtClean="0"/>
               <a:t>‹#›</a:t>
             </a:fld>
@@ -2014,7 +2014,7 @@
     </p:spTree>
     <p:extLst>
       <p:ext uri="{BB962C8B-B14F-4D97-AF65-F5344CB8AC3E}">
-        <p14:creationId xmlns:p14="http://schemas.microsoft.com/office/powerpoint/2010/main" val="678087751"/>
+        <p14:creationId xmlns:p14="http://schemas.microsoft.com/office/powerpoint/2010/main" val="409411000"/>
       </p:ext>
     </p:extLst>
   </p:cSld>
@@ -2046,7 +2046,7 @@
           <p:cNvPr id="2" name="日期占位符 1">
             <a:extLst>
               <a:ext uri="{FF2B5EF4-FFF2-40B4-BE49-F238E27FC236}">
-                <a16:creationId xmlns:a16="http://schemas.microsoft.com/office/drawing/2014/main" id="{5A5249CA-6B0F-179A-5580-3ADFC3354099}"/>
+                <a16:creationId xmlns:a16="http://schemas.microsoft.com/office/drawing/2014/main" id="{52CFD2DA-F567-9004-4141-DCC5AEF087C3}"/>
               </a:ext>
             </a:extLst>
           </p:cNvPr>
@@ -2062,7 +2062,7 @@
           <a:bodyPr/>
           <a:lstStyle/>
           <a:p>
-            <a:fld id="{CC3D7D48-5136-426D-815D-1372842F5E39}" type="datetimeFigureOut">
+            <a:fld id="{ADAA2AC0-FBFA-4EA3-B0C4-FEB70573C796}" type="datetimeFigureOut">
               <a:rPr lang="zh-CN" altLang="en-US" smtClean="0"/>
               <a:t>2024/3/10</a:t>
             </a:fld>
@@ -2075,7 +2075,7 @@
           <p:cNvPr id="3" name="页脚占位符 2">
             <a:extLst>
               <a:ext uri="{FF2B5EF4-FFF2-40B4-BE49-F238E27FC236}">
-                <a16:creationId xmlns:a16="http://schemas.microsoft.com/office/drawing/2014/main" id="{C6176877-DB39-708B-6D00-64252E48AE8E}"/>
+                <a16:creationId xmlns:a16="http://schemas.microsoft.com/office/drawing/2014/main" id="{33C6D4E0-8450-73CD-37FB-12611574AAEF}"/>
               </a:ext>
             </a:extLst>
           </p:cNvPr>
@@ -2100,7 +2100,7 @@
           <p:cNvPr id="4" name="灯片编号占位符 3">
             <a:extLst>
               <a:ext uri="{FF2B5EF4-FFF2-40B4-BE49-F238E27FC236}">
-                <a16:creationId xmlns:a16="http://schemas.microsoft.com/office/drawing/2014/main" id="{BDBF1520-C06D-0A84-F6FC-A8B7C606D78F}"/>
+                <a16:creationId xmlns:a16="http://schemas.microsoft.com/office/drawing/2014/main" id="{19F20D3C-FA80-EF87-9E01-EB331CAE071E}"/>
               </a:ext>
             </a:extLst>
           </p:cNvPr>
@@ -2116,7 +2116,7 @@
           <a:bodyPr/>
           <a:lstStyle/>
           <a:p>
-            <a:fld id="{95B69FDC-3861-467D-8569-2A74A4E884AA}" type="slidenum">
+            <a:fld id="{E10D44A7-561A-4C39-A30A-5788B27136F6}" type="slidenum">
               <a:rPr lang="zh-CN" altLang="en-US" smtClean="0"/>
               <a:t>‹#›</a:t>
             </a:fld>
@@ -2127,7 +2127,7 @@
     </p:spTree>
     <p:extLst>
       <p:ext uri="{BB962C8B-B14F-4D97-AF65-F5344CB8AC3E}">
-        <p14:creationId xmlns:p14="http://schemas.microsoft.com/office/powerpoint/2010/main" val="531934913"/>
+        <p14:creationId xmlns:p14="http://schemas.microsoft.com/office/powerpoint/2010/main" val="434410108"/>
       </p:ext>
     </p:extLst>
   </p:cSld>
@@ -2159,7 +2159,7 @@
           <p:cNvPr id="2" name="标题 1">
             <a:extLst>
               <a:ext uri="{FF2B5EF4-FFF2-40B4-BE49-F238E27FC236}">
-                <a16:creationId xmlns:a16="http://schemas.microsoft.com/office/drawing/2014/main" id="{91F68703-38CE-E37C-DAD9-52EAC963632E}"/>
+                <a16:creationId xmlns:a16="http://schemas.microsoft.com/office/drawing/2014/main" id="{BC4FC426-5AAD-DC96-7B51-4B658F9C791D}"/>
               </a:ext>
             </a:extLst>
           </p:cNvPr>
@@ -2196,7 +2196,7 @@
           <p:cNvPr id="3" name="内容占位符 2">
             <a:extLst>
               <a:ext uri="{FF2B5EF4-FFF2-40B4-BE49-F238E27FC236}">
-                <a16:creationId xmlns:a16="http://schemas.microsoft.com/office/drawing/2014/main" id="{ECEC45C5-9A78-E0A9-5626-019F726CA920}"/>
+                <a16:creationId xmlns:a16="http://schemas.microsoft.com/office/drawing/2014/main" id="{8B1224B6-3699-4293-9CA5-CA6858D3DB17}"/>
               </a:ext>
             </a:extLst>
           </p:cNvPr>
@@ -2286,7 +2286,7 @@
           <p:cNvPr id="4" name="文本占位符 3">
             <a:extLst>
               <a:ext uri="{FF2B5EF4-FFF2-40B4-BE49-F238E27FC236}">
-                <a16:creationId xmlns:a16="http://schemas.microsoft.com/office/drawing/2014/main" id="{1331B30F-A97C-8FB7-2453-819DBE8BE87B}"/>
+                <a16:creationId xmlns:a16="http://schemas.microsoft.com/office/drawing/2014/main" id="{3C5A06A3-DA0D-ED47-820A-6682FE0E74B5}"/>
               </a:ext>
             </a:extLst>
           </p:cNvPr>
@@ -2357,7 +2357,7 @@
           <p:cNvPr id="5" name="日期占位符 4">
             <a:extLst>
               <a:ext uri="{FF2B5EF4-FFF2-40B4-BE49-F238E27FC236}">
-                <a16:creationId xmlns:a16="http://schemas.microsoft.com/office/drawing/2014/main" id="{1D600DCF-D37D-B637-925E-D96650B8D904}"/>
+                <a16:creationId xmlns:a16="http://schemas.microsoft.com/office/drawing/2014/main" id="{020696D2-4F07-75F5-A0C3-2A60B7AAB1EF}"/>
               </a:ext>
             </a:extLst>
           </p:cNvPr>
@@ -2373,7 +2373,7 @@
           <a:bodyPr/>
           <a:lstStyle/>
           <a:p>
-            <a:fld id="{CC3D7D48-5136-426D-815D-1372842F5E39}" type="datetimeFigureOut">
+            <a:fld id="{ADAA2AC0-FBFA-4EA3-B0C4-FEB70573C796}" type="datetimeFigureOut">
               <a:rPr lang="zh-CN" altLang="en-US" smtClean="0"/>
               <a:t>2024/3/10</a:t>
             </a:fld>
@@ -2386,7 +2386,7 @@
           <p:cNvPr id="6" name="页脚占位符 5">
             <a:extLst>
               <a:ext uri="{FF2B5EF4-FFF2-40B4-BE49-F238E27FC236}">
-                <a16:creationId xmlns:a16="http://schemas.microsoft.com/office/drawing/2014/main" id="{D6A3258B-F59A-8B61-B632-C2B79BC0ABB4}"/>
+                <a16:creationId xmlns:a16="http://schemas.microsoft.com/office/drawing/2014/main" id="{2A821E6C-A521-8141-E250-5C417C6C7ABA}"/>
               </a:ext>
             </a:extLst>
           </p:cNvPr>
@@ -2411,7 +2411,7 @@
           <p:cNvPr id="7" name="灯片编号占位符 6">
             <a:extLst>
               <a:ext uri="{FF2B5EF4-FFF2-40B4-BE49-F238E27FC236}">
-                <a16:creationId xmlns:a16="http://schemas.microsoft.com/office/drawing/2014/main" id="{3C40A775-B629-0DC1-5A27-4B11DB9E4018}"/>
+                <a16:creationId xmlns:a16="http://schemas.microsoft.com/office/drawing/2014/main" id="{CDD85687-1A65-0DE3-B515-A405C11622A5}"/>
               </a:ext>
             </a:extLst>
           </p:cNvPr>
@@ -2427,7 +2427,7 @@
           <a:bodyPr/>
           <a:lstStyle/>
           <a:p>
-            <a:fld id="{95B69FDC-3861-467D-8569-2A74A4E884AA}" type="slidenum">
+            <a:fld id="{E10D44A7-561A-4C39-A30A-5788B27136F6}" type="slidenum">
               <a:rPr lang="zh-CN" altLang="en-US" smtClean="0"/>
               <a:t>‹#›</a:t>
             </a:fld>
@@ -2438,7 +2438,7 @@
     </p:spTree>
     <p:extLst>
       <p:ext uri="{BB962C8B-B14F-4D97-AF65-F5344CB8AC3E}">
-        <p14:creationId xmlns:p14="http://schemas.microsoft.com/office/powerpoint/2010/main" val="3614756331"/>
+        <p14:creationId xmlns:p14="http://schemas.microsoft.com/office/powerpoint/2010/main" val="3375243125"/>
       </p:ext>
     </p:extLst>
   </p:cSld>
@@ -2470,7 +2470,7 @@
           <p:cNvPr id="2" name="标题 1">
             <a:extLst>
               <a:ext uri="{FF2B5EF4-FFF2-40B4-BE49-F238E27FC236}">
-                <a16:creationId xmlns:a16="http://schemas.microsoft.com/office/drawing/2014/main" id="{38C21B24-BFA4-0451-4794-F487723D97AB}"/>
+                <a16:creationId xmlns:a16="http://schemas.microsoft.com/office/drawing/2014/main" id="{7BB754AA-F644-9F54-DA36-38A83564D471}"/>
               </a:ext>
             </a:extLst>
           </p:cNvPr>
@@ -2507,7 +2507,7 @@
           <p:cNvPr id="3" name="图片占位符 2">
             <a:extLst>
               <a:ext uri="{FF2B5EF4-FFF2-40B4-BE49-F238E27FC236}">
-                <a16:creationId xmlns:a16="http://schemas.microsoft.com/office/drawing/2014/main" id="{B7E3AAE5-D592-1134-71CE-51F5CCA4E6E1}"/>
+                <a16:creationId xmlns:a16="http://schemas.microsoft.com/office/drawing/2014/main" id="{53806950-5A78-5473-0015-E514B31AAE26}"/>
               </a:ext>
             </a:extLst>
           </p:cNvPr>
@@ -2574,7 +2574,7 @@
           <p:cNvPr id="4" name="文本占位符 3">
             <a:extLst>
               <a:ext uri="{FF2B5EF4-FFF2-40B4-BE49-F238E27FC236}">
-                <a16:creationId xmlns:a16="http://schemas.microsoft.com/office/drawing/2014/main" id="{76907A7D-1556-BDAF-18D9-E24C81750C34}"/>
+                <a16:creationId xmlns:a16="http://schemas.microsoft.com/office/drawing/2014/main" id="{C3939D13-69B7-2F42-7AA2-8102784F2470}"/>
               </a:ext>
             </a:extLst>
           </p:cNvPr>
@@ -2645,7 +2645,7 @@
           <p:cNvPr id="5" name="日期占位符 4">
             <a:extLst>
               <a:ext uri="{FF2B5EF4-FFF2-40B4-BE49-F238E27FC236}">
-                <a16:creationId xmlns:a16="http://schemas.microsoft.com/office/drawing/2014/main" id="{C379161A-57EE-38A4-4FF9-66C5E616B636}"/>
+                <a16:creationId xmlns:a16="http://schemas.microsoft.com/office/drawing/2014/main" id="{1369B4BC-A896-B9FC-A83C-CA7F38947E1B}"/>
               </a:ext>
             </a:extLst>
           </p:cNvPr>
@@ -2661,7 +2661,7 @@
           <a:bodyPr/>
           <a:lstStyle/>
           <a:p>
-            <a:fld id="{CC3D7D48-5136-426D-815D-1372842F5E39}" type="datetimeFigureOut">
+            <a:fld id="{ADAA2AC0-FBFA-4EA3-B0C4-FEB70573C796}" type="datetimeFigureOut">
               <a:rPr lang="zh-CN" altLang="en-US" smtClean="0"/>
               <a:t>2024/3/10</a:t>
             </a:fld>
@@ -2674,7 +2674,7 @@
           <p:cNvPr id="6" name="页脚占位符 5">
             <a:extLst>
               <a:ext uri="{FF2B5EF4-FFF2-40B4-BE49-F238E27FC236}">
-                <a16:creationId xmlns:a16="http://schemas.microsoft.com/office/drawing/2014/main" id="{31813A6A-0BFE-2466-51ED-BE6EAA1A37D1}"/>
+                <a16:creationId xmlns:a16="http://schemas.microsoft.com/office/drawing/2014/main" id="{39BDC94D-00EE-6155-BEB7-583F0B3A07B9}"/>
               </a:ext>
             </a:extLst>
           </p:cNvPr>
@@ -2699,7 +2699,7 @@
           <p:cNvPr id="7" name="灯片编号占位符 6">
             <a:extLst>
               <a:ext uri="{FF2B5EF4-FFF2-40B4-BE49-F238E27FC236}">
-                <a16:creationId xmlns:a16="http://schemas.microsoft.com/office/drawing/2014/main" id="{B20A2CAF-CD49-F219-8BD4-17132B693200}"/>
+                <a16:creationId xmlns:a16="http://schemas.microsoft.com/office/drawing/2014/main" id="{C7347EB1-91D0-71C3-972A-75EC396BD1A4}"/>
               </a:ext>
             </a:extLst>
           </p:cNvPr>
@@ -2715,7 +2715,7 @@
           <a:bodyPr/>
           <a:lstStyle/>
           <a:p>
-            <a:fld id="{95B69FDC-3861-467D-8569-2A74A4E884AA}" type="slidenum">
+            <a:fld id="{E10D44A7-561A-4C39-A30A-5788B27136F6}" type="slidenum">
               <a:rPr lang="zh-CN" altLang="en-US" smtClean="0"/>
               <a:t>‹#›</a:t>
             </a:fld>
@@ -2726,7 +2726,7 @@
     </p:spTree>
     <p:extLst>
       <p:ext uri="{BB962C8B-B14F-4D97-AF65-F5344CB8AC3E}">
-        <p14:creationId xmlns:p14="http://schemas.microsoft.com/office/powerpoint/2010/main" val="1513347203"/>
+        <p14:creationId xmlns:p14="http://schemas.microsoft.com/office/powerpoint/2010/main" val="3646454967"/>
       </p:ext>
     </p:extLst>
   </p:cSld>
@@ -2763,7 +2763,7 @@
           <p:cNvPr id="2" name="标题占位符 1">
             <a:extLst>
               <a:ext uri="{FF2B5EF4-FFF2-40B4-BE49-F238E27FC236}">
-                <a16:creationId xmlns:a16="http://schemas.microsoft.com/office/drawing/2014/main" id="{77F08538-9AAB-B86E-9155-E9BA91B9ADA8}"/>
+                <a16:creationId xmlns:a16="http://schemas.microsoft.com/office/drawing/2014/main" id="{79AC044F-F66F-487B-3443-0CF459CA9B5C}"/>
               </a:ext>
             </a:extLst>
           </p:cNvPr>
@@ -2801,7 +2801,7 @@
           <p:cNvPr id="3" name="文本占位符 2">
             <a:extLst>
               <a:ext uri="{FF2B5EF4-FFF2-40B4-BE49-F238E27FC236}">
-                <a16:creationId xmlns:a16="http://schemas.microsoft.com/office/drawing/2014/main" id="{711B8438-D68F-4D4B-740B-0A35FB6B93B8}"/>
+                <a16:creationId xmlns:a16="http://schemas.microsoft.com/office/drawing/2014/main" id="{C94E0C12-D92B-8B12-2A7C-DFDBD0F86F09}"/>
               </a:ext>
             </a:extLst>
           </p:cNvPr>
@@ -2868,7 +2868,7 @@
           <p:cNvPr id="4" name="日期占位符 3">
             <a:extLst>
               <a:ext uri="{FF2B5EF4-FFF2-40B4-BE49-F238E27FC236}">
-                <a16:creationId xmlns:a16="http://schemas.microsoft.com/office/drawing/2014/main" id="{50061B09-55A5-1251-5B57-B1E05954CA5E}"/>
+                <a16:creationId xmlns:a16="http://schemas.microsoft.com/office/drawing/2014/main" id="{6ED46358-4518-38A1-5CA5-0179463314F7}"/>
               </a:ext>
             </a:extLst>
           </p:cNvPr>
@@ -2902,7 +2902,7 @@
             </a:lvl1pPr>
           </a:lstStyle>
           <a:p>
-            <a:fld id="{CC3D7D48-5136-426D-815D-1372842F5E39}" type="datetimeFigureOut">
+            <a:fld id="{ADAA2AC0-FBFA-4EA3-B0C4-FEB70573C796}" type="datetimeFigureOut">
               <a:rPr lang="zh-CN" altLang="en-US" smtClean="0"/>
               <a:t>2024/3/10</a:t>
             </a:fld>
@@ -2915,7 +2915,7 @@
           <p:cNvPr id="5" name="页脚占位符 4">
             <a:extLst>
               <a:ext uri="{FF2B5EF4-FFF2-40B4-BE49-F238E27FC236}">
-                <a16:creationId xmlns:a16="http://schemas.microsoft.com/office/drawing/2014/main" id="{3A328089-AB72-B663-7868-5F66C306916F}"/>
+                <a16:creationId xmlns:a16="http://schemas.microsoft.com/office/drawing/2014/main" id="{D0E7D5CB-4404-1BE4-9C84-073AFE41BCE4}"/>
               </a:ext>
             </a:extLst>
           </p:cNvPr>
@@ -2958,7 +2958,7 @@
           <p:cNvPr id="6" name="灯片编号占位符 5">
             <a:extLst>
               <a:ext uri="{FF2B5EF4-FFF2-40B4-BE49-F238E27FC236}">
-                <a16:creationId xmlns:a16="http://schemas.microsoft.com/office/drawing/2014/main" id="{22F09BCE-057C-51BC-B6C3-8F6466C6F108}"/>
+                <a16:creationId xmlns:a16="http://schemas.microsoft.com/office/drawing/2014/main" id="{54698E6C-67D4-7E0B-8585-601EC0803AEA}"/>
               </a:ext>
             </a:extLst>
           </p:cNvPr>
@@ -2992,7 +2992,7 @@
             </a:lvl1pPr>
           </a:lstStyle>
           <a:p>
-            <a:fld id="{95B69FDC-3861-467D-8569-2A74A4E884AA}" type="slidenum">
+            <a:fld id="{E10D44A7-561A-4C39-A30A-5788B27136F6}" type="slidenum">
               <a:rPr lang="zh-CN" altLang="en-US" smtClean="0"/>
               <a:t>‹#›</a:t>
             </a:fld>
@@ -3003,7 +3003,7 @@
     </p:spTree>
     <p:extLst>
       <p:ext uri="{BB962C8B-B14F-4D97-AF65-F5344CB8AC3E}">
-        <p14:creationId xmlns:p14="http://schemas.microsoft.com/office/powerpoint/2010/main" val="3897061209"/>
+        <p14:creationId xmlns:p14="http://schemas.microsoft.com/office/powerpoint/2010/main" val="721608023"/>
       </p:ext>
     </p:extLst>
   </p:cSld>
@@ -3323,7 +3323,7 @@
       </p:grpSpPr>
       <p:pic>
         <p:nvPicPr>
-          <p:cNvPr id="1629186" name="Picture 2" descr="1590"/>
+          <p:cNvPr id="1630210" name="Picture 2" descr="1591"/>
           <p:cNvPicPr>
             <a:picLocks noChangeAspect="1" noChangeArrowheads="1"/>
           </p:cNvPicPr>
@@ -3344,8 +3344,8 @@
         </p:blipFill>
         <p:spPr bwMode="auto">
           <a:xfrm>
-            <a:off x="1543050" y="1"/>
-            <a:ext cx="9124950" cy="6843713"/>
+            <a:off x="1524000" y="14288"/>
+            <a:ext cx="9124950" cy="6843712"/>
           </a:xfrm>
           <a:prstGeom prst="rect">
             <a:avLst/>
